--- a/Maven Interview Questions.pptx
+++ b/Maven Interview Questions.pptx
@@ -40,6 +40,13 @@
     <p:sldId id="288" r:id="rId34"/>
     <p:sldId id="289" r:id="rId35"/>
     <p:sldId id="290" r:id="rId36"/>
+    <p:sldId id="291" r:id="rId37"/>
+    <p:sldId id="292" r:id="rId38"/>
+    <p:sldId id="293" r:id="rId39"/>
+    <p:sldId id="294" r:id="rId40"/>
+    <p:sldId id="295" r:id="rId41"/>
+    <p:sldId id="296" r:id="rId42"/>
+    <p:sldId id="297" r:id="rId43"/>
   </p:sldIdLst>
   <p:sldSz cx="9144000" cy="6858000" type="screen4x3"/>
   <p:notesSz cx="6858000" cy="9144000"/>
@@ -336,7 +343,7 @@
             <a:fld id="{D89ED138-B9DB-4D20-845D-9BC949AEE48C}" type="datetimeFigureOut">
               <a:rPr lang="en-GB" smtClean="0"/>
               <a:pPr/>
-              <a:t>13/02/2017</a:t>
+              <a:t>14/03/2017</a:t>
             </a:fld>
             <a:endParaRPr lang="en-GB"/>
           </a:p>
@@ -691,7 +698,7 @@
             <a:fld id="{D89ED138-B9DB-4D20-845D-9BC949AEE48C}" type="datetimeFigureOut">
               <a:rPr lang="en-GB" smtClean="0"/>
               <a:pPr/>
-              <a:t>13/02/2017</a:t>
+              <a:t>14/03/2017</a:t>
             </a:fld>
             <a:endParaRPr lang="en-GB"/>
           </a:p>
@@ -868,7 +875,7 @@
             <a:fld id="{D89ED138-B9DB-4D20-845D-9BC949AEE48C}" type="datetimeFigureOut">
               <a:rPr lang="en-GB" smtClean="0"/>
               <a:pPr/>
-              <a:t>13/02/2017</a:t>
+              <a:t>14/03/2017</a:t>
             </a:fld>
             <a:endParaRPr lang="en-GB"/>
           </a:p>
@@ -983,7 +990,7 @@
             <a:fld id="{D89ED138-B9DB-4D20-845D-9BC949AEE48C}" type="datetimeFigureOut">
               <a:rPr lang="en-GB" smtClean="0"/>
               <a:pPr/>
-              <a:t>13/02/2017</a:t>
+              <a:t>14/03/2017</a:t>
             </a:fld>
             <a:endParaRPr lang="en-GB"/>
           </a:p>
@@ -1343,7 +1350,7 @@
             <a:fld id="{D89ED138-B9DB-4D20-845D-9BC949AEE48C}" type="datetimeFigureOut">
               <a:rPr lang="en-GB" smtClean="0"/>
               <a:pPr/>
-              <a:t>13/02/2017</a:t>
+              <a:t>14/03/2017</a:t>
             </a:fld>
             <a:endParaRPr lang="en-GB"/>
           </a:p>
@@ -1610,7 +1617,7 @@
             <a:fld id="{D89ED138-B9DB-4D20-845D-9BC949AEE48C}" type="datetimeFigureOut">
               <a:rPr lang="en-GB" smtClean="0"/>
               <a:pPr/>
-              <a:t>13/02/2017</a:t>
+              <a:t>14/03/2017</a:t>
             </a:fld>
             <a:endParaRPr lang="en-GB"/>
           </a:p>
@@ -1974,7 +1981,7 @@
             <a:fld id="{D89ED138-B9DB-4D20-845D-9BC949AEE48C}" type="datetimeFigureOut">
               <a:rPr lang="en-GB" smtClean="0"/>
               <a:pPr/>
-              <a:t>13/02/2017</a:t>
+              <a:t>14/03/2017</a:t>
             </a:fld>
             <a:endParaRPr lang="en-GB"/>
           </a:p>
@@ -2203,7 +2210,7 @@
             <a:fld id="{D89ED138-B9DB-4D20-845D-9BC949AEE48C}" type="datetimeFigureOut">
               <a:rPr lang="en-GB" smtClean="0"/>
               <a:pPr/>
-              <a:t>13/02/2017</a:t>
+              <a:t>14/03/2017</a:t>
             </a:fld>
             <a:endParaRPr lang="en-GB"/>
           </a:p>
@@ -2295,7 +2302,7 @@
             <a:fld id="{D89ED138-B9DB-4D20-845D-9BC949AEE48C}" type="datetimeFigureOut">
               <a:rPr lang="en-GB" smtClean="0"/>
               <a:pPr/>
-              <a:t>13/02/2017</a:t>
+              <a:t>14/03/2017</a:t>
             </a:fld>
             <a:endParaRPr lang="en-GB"/>
           </a:p>
@@ -2564,7 +2571,7 @@
             <a:fld id="{D89ED138-B9DB-4D20-845D-9BC949AEE48C}" type="datetimeFigureOut">
               <a:rPr lang="en-GB" smtClean="0"/>
               <a:pPr/>
-              <a:t>13/02/2017</a:t>
+              <a:t>14/03/2017</a:t>
             </a:fld>
             <a:endParaRPr lang="en-GB"/>
           </a:p>
@@ -2794,7 +2801,7 @@
             <a:fld id="{D89ED138-B9DB-4D20-845D-9BC949AEE48C}" type="datetimeFigureOut">
               <a:rPr lang="en-GB" smtClean="0"/>
               <a:pPr/>
-              <a:t>13/02/2017</a:t>
+              <a:t>14/03/2017</a:t>
             </a:fld>
             <a:endParaRPr lang="en-GB"/>
           </a:p>
@@ -3295,7 +3302,7 @@
             <a:fld id="{D89ED138-B9DB-4D20-845D-9BC949AEE48C}" type="datetimeFigureOut">
               <a:rPr lang="en-GB" smtClean="0"/>
               <a:pPr/>
-              <a:t>13/02/2017</a:t>
+              <a:t>14/03/2017</a:t>
             </a:fld>
             <a:endParaRPr lang="en-GB"/>
           </a:p>
@@ -5373,11 +5380,7 @@
           <a:p>
             <a:r>
               <a:rPr lang="en-GB" dirty="0" smtClean="0"/>
-              <a:t>&lt;/project</a:t>
-            </a:r>
-            <a:r>
-              <a:rPr lang="en-GB" dirty="0" smtClean="0"/>
-              <a:t>&gt;</a:t>
+              <a:t>&lt;/project&gt;</a:t>
             </a:r>
           </a:p>
           <a:p>
@@ -5391,11 +5394,7 @@
             </a:r>
             <a:r>
               <a:rPr lang="en-GB" b="1" u="sng" dirty="0" smtClean="0"/>
-              <a:t> </a:t>
-            </a:r>
-            <a:r>
-              <a:rPr lang="en-GB" b="1" u="sng" dirty="0" smtClean="0"/>
-              <a:t>qualified </a:t>
+              <a:t> qualified </a:t>
             </a:r>
             <a:r>
               <a:rPr lang="en-GB" b="1" u="sng" dirty="0" err="1" smtClean="0"/>
@@ -5403,11 +5402,7 @@
             </a:r>
             <a:r>
               <a:rPr lang="en-GB" b="1" u="sng" dirty="0" smtClean="0"/>
-              <a:t> </a:t>
-            </a:r>
-            <a:r>
-              <a:rPr lang="en-GB" b="1" u="sng" dirty="0" smtClean="0"/>
-              <a:t>name is "com.mycompany.app:my-app:1".</a:t>
+              <a:t> name is "com.mycompany.app:my-app:1".</a:t>
             </a:r>
           </a:p>
           <a:p>
@@ -5513,11 +5508,7 @@
             </a:r>
             <a:r>
               <a:rPr lang="en-GB" dirty="0" smtClean="0"/>
-              <a:t> configuration in the </a:t>
-            </a:r>
-            <a:r>
-              <a:rPr lang="en-GB" dirty="0" smtClean="0"/>
-              <a:t>...</a:t>
+              <a:t> configuration in the ...</a:t>
             </a:r>
             <a:endParaRPr lang="en-GB" dirty="0"/>
           </a:p>
@@ -5598,23 +5589,7 @@
           <a:p>
             <a:r>
               <a:rPr lang="en-GB" dirty="0" smtClean="0"/>
-              <a:t>The first time you execute </a:t>
-            </a:r>
-            <a:r>
-              <a:rPr lang="en-GB" dirty="0" smtClean="0"/>
-              <a:t>or </a:t>
-            </a:r>
-            <a:r>
-              <a:rPr lang="en-GB" dirty="0" smtClean="0"/>
-              <a:t>any </a:t>
-            </a:r>
-            <a:r>
-              <a:rPr lang="en-GB" dirty="0" smtClean="0"/>
-              <a:t>command</a:t>
-            </a:r>
-            <a:r>
-              <a:rPr lang="en-GB" dirty="0" smtClean="0"/>
-              <a:t>, Maven will need to download</a:t>
+              <a:t>The first time you execute or any command, Maven will need to download</a:t>
             </a:r>
             <a:endParaRPr lang="en-GB" dirty="0"/>
           </a:p>
@@ -5672,7 +5647,6 @@
               <a:rPr lang="en-GB" dirty="0" smtClean="0"/>
               <a:t> and execute </a:t>
             </a:r>
-            <a:endParaRPr lang="en-GB" dirty="0" smtClean="0"/>
           </a:p>
           <a:p>
             <a:r>
@@ -5893,15 +5867,7 @@
           <a:p>
             <a:r>
               <a:rPr lang="en-GB" dirty="0" smtClean="0"/>
-              <a:t>How do I compile my test sources and run my unit </a:t>
-            </a:r>
-            <a:r>
-              <a:rPr lang="en-GB" dirty="0" smtClean="0"/>
-              <a:t>tests?</a:t>
-            </a:r>
-            <a:r>
-              <a:rPr lang="en-GB" dirty="0" smtClean="0"/>
-              <a:t/>
+              <a:t>How do I compile my test sources and run my unit tests?</a:t>
             </a:r>
             <a:br>
               <a:rPr lang="en-GB" dirty="0" smtClean="0"/>
@@ -5981,11 +5947,7 @@
           <a:p>
             <a:r>
               <a:rPr lang="en-GB" dirty="0" smtClean="0"/>
-              <a:t>If you simply want to compile your test sources (but not execute the tests</a:t>
-            </a:r>
-            <a:r>
-              <a:rPr lang="en-GB" dirty="0" smtClean="0"/>
-              <a:t>) what command you give</a:t>
+              <a:t>If you simply want to compile your test sources (but not execute the tests) what command you give</a:t>
             </a:r>
             <a:endParaRPr lang="en-GB" dirty="0"/>
           </a:p>
@@ -6348,6 +6310,308 @@
 </p:sld>
 </file>
 
+<file path=ppt/slides/slide36.xml><?xml version="1.0" encoding="utf-8"?>
+<p:sld xmlns:a="http://schemas.openxmlformats.org/drawingml/2006/main" xmlns:r="http://schemas.openxmlformats.org/officeDocument/2006/relationships" xmlns:p="http://schemas.openxmlformats.org/presentationml/2006/main">
+  <p:cSld>
+    <p:spTree>
+      <p:nvGrpSpPr>
+        <p:cNvPr id="1" name=""/>
+        <p:cNvGrpSpPr/>
+        <p:nvPr/>
+      </p:nvGrpSpPr>
+      <p:grpSpPr>
+        <a:xfrm>
+          <a:off x="0" y="0"/>
+          <a:ext cx="0" cy="0"/>
+          <a:chOff x="0" y="0"/>
+          <a:chExt cx="0" cy="0"/>
+        </a:xfrm>
+      </p:grpSpPr>
+      <p:sp>
+        <p:nvSpPr>
+          <p:cNvPr id="2" name="Subtitle 1"/>
+          <p:cNvSpPr>
+            <a:spLocks noGrp="1"/>
+          </p:cNvSpPr>
+          <p:nvPr>
+            <p:ph type="subTitle" idx="1"/>
+          </p:nvPr>
+        </p:nvSpPr>
+        <p:spPr/>
+        <p:txBody>
+          <a:bodyPr/>
+          <a:lstStyle/>
+          <a:p>
+            <a:r>
+              <a:rPr lang="en-GB" dirty="0" smtClean="0"/>
+              <a:t>Yes</a:t>
+            </a:r>
+            <a:endParaRPr lang="en-GB" dirty="0"/>
+          </a:p>
+        </p:txBody>
+      </p:sp>
+      <p:sp>
+        <p:nvSpPr>
+          <p:cNvPr id="3" name="Title 2"/>
+          <p:cNvSpPr>
+            <a:spLocks noGrp="1"/>
+          </p:cNvSpPr>
+          <p:nvPr>
+            <p:ph type="ctrTitle"/>
+          </p:nvPr>
+        </p:nvSpPr>
+        <p:spPr/>
+        <p:txBody>
+          <a:bodyPr>
+            <a:normAutofit/>
+          </a:bodyPr>
+          <a:lstStyle/>
+          <a:p>
+            <a:r>
+              <a:rPr lang="en-GB" dirty="0" smtClean="0"/>
+              <a:t>Is using Maven a configuration over convention?</a:t>
+            </a:r>
+            <a:endParaRPr lang="en-GB" dirty="0"/>
+          </a:p>
+        </p:txBody>
+      </p:sp>
+    </p:spTree>
+  </p:cSld>
+  <p:clrMapOvr>
+    <a:masterClrMapping/>
+  </p:clrMapOvr>
+</p:sld>
+</file>
+
+<file path=ppt/slides/slide37.xml><?xml version="1.0" encoding="utf-8"?>
+<p:sld xmlns:a="http://schemas.openxmlformats.org/drawingml/2006/main" xmlns:r="http://schemas.openxmlformats.org/officeDocument/2006/relationships" xmlns:p="http://schemas.openxmlformats.org/presentationml/2006/main">
+  <p:cSld>
+    <p:spTree>
+      <p:nvGrpSpPr>
+        <p:cNvPr id="1" name=""/>
+        <p:cNvGrpSpPr/>
+        <p:nvPr/>
+      </p:nvGrpSpPr>
+      <p:grpSpPr>
+        <a:xfrm>
+          <a:off x="0" y="0"/>
+          <a:ext cx="0" cy="0"/>
+          <a:chOff x="0" y="0"/>
+          <a:chExt cx="0" cy="0"/>
+        </a:xfrm>
+      </p:grpSpPr>
+      <p:sp>
+        <p:nvSpPr>
+          <p:cNvPr id="2" name="Subtitle 1"/>
+          <p:cNvSpPr>
+            <a:spLocks noGrp="1"/>
+          </p:cNvSpPr>
+          <p:nvPr>
+            <p:ph type="subTitle" idx="1"/>
+          </p:nvPr>
+        </p:nvSpPr>
+        <p:spPr/>
+        <p:txBody>
+          <a:bodyPr/>
+          <a:lstStyle/>
+          <a:p>
+            <a:r>
+              <a:rPr lang="en-GB" dirty="0" smtClean="0"/>
+              <a:t>Clean and install, Clean will delete any build </a:t>
+            </a:r>
+            <a:r>
+              <a:rPr lang="en-GB" dirty="0" err="1" smtClean="0"/>
+              <a:t>artifacts</a:t>
+            </a:r>
+            <a:endParaRPr lang="en-GB" dirty="0"/>
+          </a:p>
+        </p:txBody>
+      </p:sp>
+      <p:sp>
+        <p:nvSpPr>
+          <p:cNvPr id="3" name="Title 2"/>
+          <p:cNvSpPr>
+            <a:spLocks noGrp="1"/>
+          </p:cNvSpPr>
+          <p:nvPr>
+            <p:ph type="ctrTitle"/>
+          </p:nvPr>
+        </p:nvSpPr>
+        <p:spPr/>
+        <p:txBody>
+          <a:bodyPr/>
+          <a:lstStyle/>
+          <a:p>
+            <a:r>
+              <a:rPr lang="en-GB" dirty="0" smtClean="0"/>
+              <a:t>What does clean do?</a:t>
+            </a:r>
+            <a:endParaRPr lang="en-GB" dirty="0"/>
+          </a:p>
+        </p:txBody>
+      </p:sp>
+    </p:spTree>
+  </p:cSld>
+  <p:clrMapOvr>
+    <a:masterClrMapping/>
+  </p:clrMapOvr>
+</p:sld>
+</file>
+
+<file path=ppt/slides/slide38.xml><?xml version="1.0" encoding="utf-8"?>
+<p:sld xmlns:a="http://schemas.openxmlformats.org/drawingml/2006/main" xmlns:r="http://schemas.openxmlformats.org/officeDocument/2006/relationships" xmlns:p="http://schemas.openxmlformats.org/presentationml/2006/main">
+  <p:cSld>
+    <p:spTree>
+      <p:nvGrpSpPr>
+        <p:cNvPr id="1" name=""/>
+        <p:cNvGrpSpPr/>
+        <p:nvPr/>
+      </p:nvGrpSpPr>
+      <p:grpSpPr>
+        <a:xfrm>
+          <a:off x="0" y="0"/>
+          <a:ext cx="0" cy="0"/>
+          <a:chOff x="0" y="0"/>
+          <a:chExt cx="0" cy="0"/>
+        </a:xfrm>
+      </p:grpSpPr>
+      <p:sp>
+        <p:nvSpPr>
+          <p:cNvPr id="2" name="Subtitle 1"/>
+          <p:cNvSpPr>
+            <a:spLocks noGrp="1"/>
+          </p:cNvSpPr>
+          <p:nvPr>
+            <p:ph type="subTitle" idx="1"/>
+          </p:nvPr>
+        </p:nvSpPr>
+        <p:spPr/>
+        <p:txBody>
+          <a:bodyPr/>
+          <a:lstStyle/>
+          <a:p>
+            <a:r>
+              <a:rPr lang="en-GB" dirty="0" smtClean="0"/>
+              <a:t>Install will compile, test, package and finally install our build </a:t>
+            </a:r>
+            <a:r>
+              <a:rPr lang="en-GB" dirty="0" err="1" smtClean="0"/>
+              <a:t>artifacts</a:t>
+            </a:r>
+            <a:r>
+              <a:rPr lang="en-GB" dirty="0" smtClean="0"/>
+              <a:t>. </a:t>
+            </a:r>
+            <a:endParaRPr lang="en-GB" dirty="0"/>
+          </a:p>
+        </p:txBody>
+      </p:sp>
+      <p:sp>
+        <p:nvSpPr>
+          <p:cNvPr id="3" name="Title 2"/>
+          <p:cNvSpPr>
+            <a:spLocks noGrp="1"/>
+          </p:cNvSpPr>
+          <p:nvPr>
+            <p:ph type="ctrTitle"/>
+          </p:nvPr>
+        </p:nvSpPr>
+        <p:spPr/>
+        <p:txBody>
+          <a:bodyPr/>
+          <a:lstStyle/>
+          <a:p>
+            <a:r>
+              <a:rPr lang="en-GB" dirty="0" smtClean="0"/>
+              <a:t>What will install do?</a:t>
+            </a:r>
+            <a:endParaRPr lang="en-GB" dirty="0"/>
+          </a:p>
+        </p:txBody>
+      </p:sp>
+    </p:spTree>
+  </p:cSld>
+  <p:clrMapOvr>
+    <a:masterClrMapping/>
+  </p:clrMapOvr>
+</p:sld>
+</file>
+
+<file path=ppt/slides/slide39.xml><?xml version="1.0" encoding="utf-8"?>
+<p:sld xmlns:a="http://schemas.openxmlformats.org/drawingml/2006/main" xmlns:r="http://schemas.openxmlformats.org/officeDocument/2006/relationships" xmlns:p="http://schemas.openxmlformats.org/presentationml/2006/main">
+  <p:cSld>
+    <p:spTree>
+      <p:nvGrpSpPr>
+        <p:cNvPr id="1" name=""/>
+        <p:cNvGrpSpPr/>
+        <p:nvPr/>
+      </p:nvGrpSpPr>
+      <p:grpSpPr>
+        <a:xfrm>
+          <a:off x="0" y="0"/>
+          <a:ext cx="0" cy="0"/>
+          <a:chOff x="0" y="0"/>
+          <a:chExt cx="0" cy="0"/>
+        </a:xfrm>
+      </p:grpSpPr>
+      <p:sp>
+        <p:nvSpPr>
+          <p:cNvPr id="2" name="Subtitle 1"/>
+          <p:cNvSpPr>
+            <a:spLocks noGrp="1"/>
+          </p:cNvSpPr>
+          <p:nvPr>
+            <p:ph type="subTitle" idx="1"/>
+          </p:nvPr>
+        </p:nvSpPr>
+        <p:spPr/>
+        <p:txBody>
+          <a:bodyPr/>
+          <a:lstStyle/>
+          <a:p>
+            <a:r>
+              <a:rPr lang="en-GB" dirty="0" err="1" smtClean="0"/>
+              <a:t>mvn</a:t>
+            </a:r>
+            <a:r>
+              <a:rPr lang="en-GB" dirty="0" smtClean="0"/>
+              <a:t> clean install</a:t>
+            </a:r>
+            <a:endParaRPr lang="en-GB" dirty="0"/>
+          </a:p>
+        </p:txBody>
+      </p:sp>
+      <p:sp>
+        <p:nvSpPr>
+          <p:cNvPr id="3" name="Title 2"/>
+          <p:cNvSpPr>
+            <a:spLocks noGrp="1"/>
+          </p:cNvSpPr>
+          <p:nvPr>
+            <p:ph type="ctrTitle"/>
+          </p:nvPr>
+        </p:nvSpPr>
+        <p:spPr/>
+        <p:txBody>
+          <a:bodyPr/>
+          <a:lstStyle/>
+          <a:p>
+            <a:r>
+              <a:rPr lang="en-GB" dirty="0" smtClean="0"/>
+              <a:t>The command to build a system from command prompt?</a:t>
+            </a:r>
+            <a:endParaRPr lang="en-GB" dirty="0"/>
+          </a:p>
+        </p:txBody>
+      </p:sp>
+    </p:spTree>
+  </p:cSld>
+  <p:clrMapOvr>
+    <a:masterClrMapping/>
+  </p:clrMapOvr>
+</p:sld>
+</file>
+
 <file path=ppt/slides/slide4.xml><?xml version="1.0" encoding="utf-8"?>
 <p:sld xmlns:a="http://schemas.openxmlformats.org/drawingml/2006/main" xmlns:r="http://schemas.openxmlformats.org/officeDocument/2006/relationships" xmlns:p="http://schemas.openxmlformats.org/presentationml/2006/main">
   <p:cSld>
@@ -6410,6 +6674,233 @@
             <a:r>
               <a:rPr lang="en-US" dirty="0" smtClean="0"/>
               <a:t>Full form of POM?</a:t>
+            </a:r>
+            <a:endParaRPr lang="en-GB" dirty="0"/>
+          </a:p>
+        </p:txBody>
+      </p:sp>
+    </p:spTree>
+  </p:cSld>
+  <p:clrMapOvr>
+    <a:masterClrMapping/>
+  </p:clrMapOvr>
+</p:sld>
+</file>
+
+<file path=ppt/slides/slide40.xml><?xml version="1.0" encoding="utf-8"?>
+<p:sld xmlns:a="http://schemas.openxmlformats.org/drawingml/2006/main" xmlns:r="http://schemas.openxmlformats.org/officeDocument/2006/relationships" xmlns:p="http://schemas.openxmlformats.org/presentationml/2006/main">
+  <p:cSld>
+    <p:spTree>
+      <p:nvGrpSpPr>
+        <p:cNvPr id="1" name=""/>
+        <p:cNvGrpSpPr/>
+        <p:nvPr/>
+      </p:nvGrpSpPr>
+      <p:grpSpPr>
+        <a:xfrm>
+          <a:off x="0" y="0"/>
+          <a:ext cx="0" cy="0"/>
+          <a:chOff x="0" y="0"/>
+          <a:chExt cx="0" cy="0"/>
+        </a:xfrm>
+      </p:grpSpPr>
+      <p:sp>
+        <p:nvSpPr>
+          <p:cNvPr id="2" name="Subtitle 1"/>
+          <p:cNvSpPr>
+            <a:spLocks noGrp="1"/>
+          </p:cNvSpPr>
+          <p:nvPr>
+            <p:ph type="subTitle" idx="1"/>
+          </p:nvPr>
+        </p:nvSpPr>
+        <p:spPr/>
+        <p:txBody>
+          <a:bodyPr/>
+          <a:lstStyle/>
+          <a:p>
+            <a:r>
+              <a:rPr lang="en-GB" dirty="0" err="1" smtClean="0"/>
+              <a:t>mvn</a:t>
+            </a:r>
+            <a:r>
+              <a:rPr lang="en-GB" dirty="0" smtClean="0"/>
+              <a:t> clean test</a:t>
+            </a:r>
+            <a:endParaRPr lang="en-GB" dirty="0"/>
+          </a:p>
+        </p:txBody>
+      </p:sp>
+      <p:sp>
+        <p:nvSpPr>
+          <p:cNvPr id="3" name="Title 2"/>
+          <p:cNvSpPr>
+            <a:spLocks noGrp="1"/>
+          </p:cNvSpPr>
+          <p:nvPr>
+            <p:ph type="ctrTitle"/>
+          </p:nvPr>
+        </p:nvSpPr>
+        <p:spPr/>
+        <p:txBody>
+          <a:bodyPr/>
+          <a:lstStyle/>
+          <a:p>
+            <a:r>
+              <a:rPr lang="en-GB" dirty="0" smtClean="0"/>
+              <a:t>To run a test from command prompt</a:t>
+            </a:r>
+            <a:endParaRPr lang="en-GB" dirty="0"/>
+          </a:p>
+        </p:txBody>
+      </p:sp>
+    </p:spTree>
+  </p:cSld>
+  <p:clrMapOvr>
+    <a:masterClrMapping/>
+  </p:clrMapOvr>
+</p:sld>
+</file>
+
+<file path=ppt/slides/slide41.xml><?xml version="1.0" encoding="utf-8"?>
+<p:sld xmlns:a="http://schemas.openxmlformats.org/drawingml/2006/main" xmlns:r="http://schemas.openxmlformats.org/officeDocument/2006/relationships" xmlns:p="http://schemas.openxmlformats.org/presentationml/2006/main">
+  <p:cSld>
+    <p:spTree>
+      <p:nvGrpSpPr>
+        <p:cNvPr id="1" name=""/>
+        <p:cNvGrpSpPr/>
+        <p:nvPr/>
+      </p:nvGrpSpPr>
+      <p:grpSpPr>
+        <a:xfrm>
+          <a:off x="0" y="0"/>
+          <a:ext cx="0" cy="0"/>
+          <a:chOff x="0" y="0"/>
+          <a:chExt cx="0" cy="0"/>
+        </a:xfrm>
+      </p:grpSpPr>
+      <p:sp>
+        <p:nvSpPr>
+          <p:cNvPr id="2" name="Subtitle 1"/>
+          <p:cNvSpPr>
+            <a:spLocks noGrp="1"/>
+          </p:cNvSpPr>
+          <p:nvPr>
+            <p:ph type="subTitle" idx="1"/>
+          </p:nvPr>
+        </p:nvSpPr>
+        <p:spPr/>
+        <p:txBody>
+          <a:bodyPr/>
+          <a:lstStyle/>
+          <a:p>
+            <a:r>
+              <a:rPr lang="en-GB" dirty="0" smtClean="0"/>
+              <a:t>Jenkins</a:t>
+            </a:r>
+            <a:endParaRPr lang="en-GB" dirty="0"/>
+          </a:p>
+        </p:txBody>
+      </p:sp>
+      <p:sp>
+        <p:nvSpPr>
+          <p:cNvPr id="3" name="Title 2"/>
+          <p:cNvSpPr>
+            <a:spLocks noGrp="1"/>
+          </p:cNvSpPr>
+          <p:nvPr>
+            <p:ph type="ctrTitle"/>
+          </p:nvPr>
+        </p:nvSpPr>
+        <p:spPr/>
+        <p:txBody>
+          <a:bodyPr/>
+          <a:lstStyle/>
+          <a:p>
+            <a:r>
+              <a:rPr lang="en-GB" dirty="0" smtClean="0"/>
+              <a:t>Give a tool for continuous integration?</a:t>
+            </a:r>
+            <a:endParaRPr lang="en-GB" dirty="0"/>
+          </a:p>
+        </p:txBody>
+      </p:sp>
+    </p:spTree>
+  </p:cSld>
+  <p:clrMapOvr>
+    <a:masterClrMapping/>
+  </p:clrMapOvr>
+</p:sld>
+</file>
+
+<file path=ppt/slides/slide42.xml><?xml version="1.0" encoding="utf-8"?>
+<p:sld xmlns:a="http://schemas.openxmlformats.org/drawingml/2006/main" xmlns:r="http://schemas.openxmlformats.org/officeDocument/2006/relationships" xmlns:p="http://schemas.openxmlformats.org/presentationml/2006/main">
+  <p:cSld>
+    <p:spTree>
+      <p:nvGrpSpPr>
+        <p:cNvPr id="1" name=""/>
+        <p:cNvGrpSpPr/>
+        <p:nvPr/>
+      </p:nvGrpSpPr>
+      <p:grpSpPr>
+        <a:xfrm>
+          <a:off x="0" y="0"/>
+          <a:ext cx="0" cy="0"/>
+          <a:chOff x="0" y="0"/>
+          <a:chExt cx="0" cy="0"/>
+        </a:xfrm>
+      </p:grpSpPr>
+      <p:sp>
+        <p:nvSpPr>
+          <p:cNvPr id="2" name="Subtitle 1"/>
+          <p:cNvSpPr>
+            <a:spLocks noGrp="1"/>
+          </p:cNvSpPr>
+          <p:nvPr>
+            <p:ph type="subTitle" idx="1"/>
+          </p:nvPr>
+        </p:nvSpPr>
+        <p:spPr/>
+        <p:txBody>
+          <a:bodyPr>
+            <a:normAutofit lnSpcReduction="10000"/>
+          </a:bodyPr>
+          <a:lstStyle/>
+          <a:p>
+            <a:r>
+              <a:rPr lang="en-GB" dirty="0" smtClean="0"/>
+              <a:t>In an ideal world, a test project should be executed as soon as there has been any change in the system you are </a:t>
+            </a:r>
+            <a:r>
+              <a:rPr lang="en-GB" dirty="0" err="1" smtClean="0"/>
+              <a:t>building.Such</a:t>
+            </a:r>
+            <a:r>
+              <a:rPr lang="en-GB" smtClean="0"/>
+              <a:t> a practice is called Continuous Integration.</a:t>
+            </a:r>
+            <a:endParaRPr lang="en-GB"/>
+          </a:p>
+        </p:txBody>
+      </p:sp>
+      <p:sp>
+        <p:nvSpPr>
+          <p:cNvPr id="3" name="Title 2"/>
+          <p:cNvSpPr>
+            <a:spLocks noGrp="1"/>
+          </p:cNvSpPr>
+          <p:nvPr>
+            <p:ph type="ctrTitle"/>
+          </p:nvPr>
+        </p:nvSpPr>
+        <p:spPr/>
+        <p:txBody>
+          <a:bodyPr/>
+          <a:lstStyle/>
+          <a:p>
+            <a:r>
+              <a:rPr lang="en-GB" dirty="0" smtClean="0"/>
+              <a:t>What is CI?</a:t>
             </a:r>
             <a:endParaRPr lang="en-GB" dirty="0"/>
           </a:p>

--- a/Maven Interview Questions.pptx
+++ b/Maven Interview Questions.pptx
@@ -47,6 +47,8 @@
     <p:sldId id="295" r:id="rId41"/>
     <p:sldId id="296" r:id="rId42"/>
     <p:sldId id="297" r:id="rId43"/>
+    <p:sldId id="298" r:id="rId44"/>
+    <p:sldId id="299" r:id="rId45"/>
   </p:sldIdLst>
   <p:sldSz cx="9144000" cy="6858000" type="screen4x3"/>
   <p:notesSz cx="6858000" cy="9144000"/>
@@ -343,7 +345,7 @@
             <a:fld id="{D89ED138-B9DB-4D20-845D-9BC949AEE48C}" type="datetimeFigureOut">
               <a:rPr lang="en-GB" smtClean="0"/>
               <a:pPr/>
-              <a:t>14/03/2017</a:t>
+              <a:t>19/03/2017</a:t>
             </a:fld>
             <a:endParaRPr lang="en-GB"/>
           </a:p>
@@ -698,7 +700,7 @@
             <a:fld id="{D89ED138-B9DB-4D20-845D-9BC949AEE48C}" type="datetimeFigureOut">
               <a:rPr lang="en-GB" smtClean="0"/>
               <a:pPr/>
-              <a:t>14/03/2017</a:t>
+              <a:t>19/03/2017</a:t>
             </a:fld>
             <a:endParaRPr lang="en-GB"/>
           </a:p>
@@ -875,7 +877,7 @@
             <a:fld id="{D89ED138-B9DB-4D20-845D-9BC949AEE48C}" type="datetimeFigureOut">
               <a:rPr lang="en-GB" smtClean="0"/>
               <a:pPr/>
-              <a:t>14/03/2017</a:t>
+              <a:t>19/03/2017</a:t>
             </a:fld>
             <a:endParaRPr lang="en-GB"/>
           </a:p>
@@ -990,7 +992,7 @@
             <a:fld id="{D89ED138-B9DB-4D20-845D-9BC949AEE48C}" type="datetimeFigureOut">
               <a:rPr lang="en-GB" smtClean="0"/>
               <a:pPr/>
-              <a:t>14/03/2017</a:t>
+              <a:t>19/03/2017</a:t>
             </a:fld>
             <a:endParaRPr lang="en-GB"/>
           </a:p>
@@ -1350,7 +1352,7 @@
             <a:fld id="{D89ED138-B9DB-4D20-845D-9BC949AEE48C}" type="datetimeFigureOut">
               <a:rPr lang="en-GB" smtClean="0"/>
               <a:pPr/>
-              <a:t>14/03/2017</a:t>
+              <a:t>19/03/2017</a:t>
             </a:fld>
             <a:endParaRPr lang="en-GB"/>
           </a:p>
@@ -1617,7 +1619,7 @@
             <a:fld id="{D89ED138-B9DB-4D20-845D-9BC949AEE48C}" type="datetimeFigureOut">
               <a:rPr lang="en-GB" smtClean="0"/>
               <a:pPr/>
-              <a:t>14/03/2017</a:t>
+              <a:t>19/03/2017</a:t>
             </a:fld>
             <a:endParaRPr lang="en-GB"/>
           </a:p>
@@ -1981,7 +1983,7 @@
             <a:fld id="{D89ED138-B9DB-4D20-845D-9BC949AEE48C}" type="datetimeFigureOut">
               <a:rPr lang="en-GB" smtClean="0"/>
               <a:pPr/>
-              <a:t>14/03/2017</a:t>
+              <a:t>19/03/2017</a:t>
             </a:fld>
             <a:endParaRPr lang="en-GB"/>
           </a:p>
@@ -2210,7 +2212,7 @@
             <a:fld id="{D89ED138-B9DB-4D20-845D-9BC949AEE48C}" type="datetimeFigureOut">
               <a:rPr lang="en-GB" smtClean="0"/>
               <a:pPr/>
-              <a:t>14/03/2017</a:t>
+              <a:t>19/03/2017</a:t>
             </a:fld>
             <a:endParaRPr lang="en-GB"/>
           </a:p>
@@ -2302,7 +2304,7 @@
             <a:fld id="{D89ED138-B9DB-4D20-845D-9BC949AEE48C}" type="datetimeFigureOut">
               <a:rPr lang="en-GB" smtClean="0"/>
               <a:pPr/>
-              <a:t>14/03/2017</a:t>
+              <a:t>19/03/2017</a:t>
             </a:fld>
             <a:endParaRPr lang="en-GB"/>
           </a:p>
@@ -2571,7 +2573,7 @@
             <a:fld id="{D89ED138-B9DB-4D20-845D-9BC949AEE48C}" type="datetimeFigureOut">
               <a:rPr lang="en-GB" smtClean="0"/>
               <a:pPr/>
-              <a:t>14/03/2017</a:t>
+              <a:t>19/03/2017</a:t>
             </a:fld>
             <a:endParaRPr lang="en-GB"/>
           </a:p>
@@ -2801,7 +2803,7 @@
             <a:fld id="{D89ED138-B9DB-4D20-845D-9BC949AEE48C}" type="datetimeFigureOut">
               <a:rPr lang="en-GB" smtClean="0"/>
               <a:pPr/>
-              <a:t>14/03/2017</a:t>
+              <a:t>19/03/2017</a:t>
             </a:fld>
             <a:endParaRPr lang="en-GB"/>
           </a:p>
@@ -3302,7 +3304,7 @@
             <a:fld id="{D89ED138-B9DB-4D20-845D-9BC949AEE48C}" type="datetimeFigureOut">
               <a:rPr lang="en-GB" smtClean="0"/>
               <a:pPr/>
-              <a:t>14/03/2017</a:t>
+              <a:t>19/03/2017</a:t>
             </a:fld>
             <a:endParaRPr lang="en-GB"/>
           </a:p>
@@ -6914,6 +6916,292 @@
 </p:sld>
 </file>
 
+<file path=ppt/slides/slide43.xml><?xml version="1.0" encoding="utf-8"?>
+<p:sld xmlns:a="http://schemas.openxmlformats.org/drawingml/2006/main" xmlns:r="http://schemas.openxmlformats.org/officeDocument/2006/relationships" xmlns:p="http://schemas.openxmlformats.org/presentationml/2006/main">
+  <p:cSld>
+    <p:spTree>
+      <p:nvGrpSpPr>
+        <p:cNvPr id="1" name=""/>
+        <p:cNvGrpSpPr/>
+        <p:nvPr/>
+      </p:nvGrpSpPr>
+      <p:grpSpPr>
+        <a:xfrm>
+          <a:off x="0" y="0"/>
+          <a:ext cx="0" cy="0"/>
+          <a:chOff x="0" y="0"/>
+          <a:chExt cx="0" cy="0"/>
+        </a:xfrm>
+      </p:grpSpPr>
+      <p:sp>
+        <p:nvSpPr>
+          <p:cNvPr id="2" name="Subtitle 1"/>
+          <p:cNvSpPr>
+            <a:spLocks noGrp="1"/>
+          </p:cNvSpPr>
+          <p:nvPr>
+            <p:ph type="subTitle" idx="1"/>
+          </p:nvPr>
+        </p:nvSpPr>
+        <p:spPr>
+          <a:xfrm>
+            <a:off x="1295400" y="3200400"/>
+            <a:ext cx="6400800" cy="2460848"/>
+          </a:xfrm>
+        </p:spPr>
+        <p:txBody>
+          <a:bodyPr>
+            <a:normAutofit fontScale="40000" lnSpcReduction="20000"/>
+          </a:bodyPr>
+          <a:lstStyle/>
+          <a:p>
+            <a:r>
+              <a:rPr lang="en-GB" dirty="0" smtClean="0"/>
+              <a:t>Create new project</a:t>
+            </a:r>
+          </a:p>
+          <a:p>
+            <a:r>
+              <a:rPr lang="en-GB" dirty="0" smtClean="0"/>
+              <a:t>In </a:t>
+            </a:r>
+            <a:r>
+              <a:rPr lang="en-GB" dirty="0" err="1" smtClean="0"/>
+              <a:t>groupId</a:t>
+            </a:r>
+            <a:r>
+              <a:rPr lang="en-GB" dirty="0" smtClean="0"/>
+              <a:t> give name </a:t>
+            </a:r>
+            <a:r>
+              <a:rPr lang="en-GB" dirty="0" err="1" smtClean="0"/>
+              <a:t>eg</a:t>
+            </a:r>
+            <a:r>
+              <a:rPr lang="en-GB" dirty="0" smtClean="0"/>
+              <a:t>. temperature-convertor</a:t>
+            </a:r>
+          </a:p>
+          <a:p>
+            <a:r>
+              <a:rPr lang="en-GB" dirty="0" smtClean="0"/>
+              <a:t>Give same in </a:t>
+            </a:r>
+            <a:r>
+              <a:rPr lang="en-GB" dirty="0" err="1" smtClean="0"/>
+              <a:t>artifactId</a:t>
+            </a:r>
+            <a:r>
+              <a:rPr lang="en-GB" dirty="0" smtClean="0"/>
+              <a:t>. temperature-convertor</a:t>
+            </a:r>
+          </a:p>
+          <a:p>
+            <a:r>
+              <a:rPr lang="en-GB" dirty="0" smtClean="0"/>
+              <a:t>Click next</a:t>
+            </a:r>
+          </a:p>
+          <a:p>
+            <a:r>
+              <a:rPr lang="en-GB" dirty="0" smtClean="0"/>
+              <a:t>The name is same as well temperature-convertor(see and check name)</a:t>
+            </a:r>
+          </a:p>
+          <a:p>
+            <a:r>
+              <a:rPr lang="en-GB" dirty="0" smtClean="0"/>
+              <a:t>Then click Finish</a:t>
+            </a:r>
+          </a:p>
+          <a:p>
+            <a:r>
+              <a:rPr lang="en-GB" dirty="0" smtClean="0"/>
+              <a:t>You will see the structure</a:t>
+            </a:r>
+          </a:p>
+          <a:p>
+            <a:r>
+              <a:rPr lang="en-GB" dirty="0" smtClean="0"/>
+              <a:t>There is a POM.xml</a:t>
+            </a:r>
+          </a:p>
+          <a:p>
+            <a:r>
+              <a:rPr lang="en-GB" dirty="0" smtClean="0"/>
+              <a:t>Now run command from the folder in DOS</a:t>
+            </a:r>
+          </a:p>
+          <a:p>
+            <a:r>
+              <a:rPr lang="en-GB" dirty="0" err="1" smtClean="0"/>
+              <a:t>mvn</a:t>
+            </a:r>
+            <a:r>
+              <a:rPr lang="en-GB" dirty="0" smtClean="0"/>
+              <a:t> clean install</a:t>
+            </a:r>
+          </a:p>
+          <a:p>
+            <a:r>
+              <a:rPr lang="en-GB" dirty="0" smtClean="0"/>
+              <a:t>Put them under git</a:t>
+            </a:r>
+          </a:p>
+          <a:p>
+            <a:r>
+              <a:rPr lang="en-GB" dirty="0" smtClean="0"/>
+              <a:t>Go to folder and type git init</a:t>
+            </a:r>
+            <a:endParaRPr lang="en-GB" dirty="0"/>
+          </a:p>
+        </p:txBody>
+      </p:sp>
+      <p:sp>
+        <p:nvSpPr>
+          <p:cNvPr id="3" name="Title 2"/>
+          <p:cNvSpPr>
+            <a:spLocks noGrp="1"/>
+          </p:cNvSpPr>
+          <p:nvPr>
+            <p:ph type="ctrTitle"/>
+          </p:nvPr>
+        </p:nvSpPr>
+        <p:spPr/>
+        <p:txBody>
+          <a:bodyPr/>
+          <a:lstStyle/>
+          <a:p>
+            <a:r>
+              <a:rPr lang="en-GB" dirty="0" smtClean="0"/>
+              <a:t>How to start a maven project in </a:t>
+            </a:r>
+            <a:r>
+              <a:rPr lang="en-GB" dirty="0" err="1" smtClean="0"/>
+              <a:t>IntelliJIDEA</a:t>
+            </a:r>
+            <a:r>
+              <a:rPr lang="en-GB" dirty="0" smtClean="0"/>
+              <a:t>?</a:t>
+            </a:r>
+            <a:endParaRPr lang="en-GB" dirty="0"/>
+          </a:p>
+        </p:txBody>
+      </p:sp>
+    </p:spTree>
+  </p:cSld>
+  <p:clrMapOvr>
+    <a:masterClrMapping/>
+  </p:clrMapOvr>
+</p:sld>
+</file>
+
+<file path=ppt/slides/slide44.xml><?xml version="1.0" encoding="utf-8"?>
+<p:sld xmlns:a="http://schemas.openxmlformats.org/drawingml/2006/main" xmlns:r="http://schemas.openxmlformats.org/officeDocument/2006/relationships" xmlns:p="http://schemas.openxmlformats.org/presentationml/2006/main">
+  <p:cSld>
+    <p:spTree>
+      <p:nvGrpSpPr>
+        <p:cNvPr id="1" name=""/>
+        <p:cNvGrpSpPr/>
+        <p:nvPr/>
+      </p:nvGrpSpPr>
+      <p:grpSpPr>
+        <a:xfrm>
+          <a:off x="0" y="0"/>
+          <a:ext cx="0" cy="0"/>
+          <a:chOff x="0" y="0"/>
+          <a:chExt cx="0" cy="0"/>
+        </a:xfrm>
+      </p:grpSpPr>
+      <p:sp>
+        <p:nvSpPr>
+          <p:cNvPr id="2" name="Subtitle 1"/>
+          <p:cNvSpPr>
+            <a:spLocks noGrp="1"/>
+          </p:cNvSpPr>
+          <p:nvPr>
+            <p:ph type="subTitle" idx="1"/>
+          </p:nvPr>
+        </p:nvSpPr>
+        <p:spPr/>
+        <p:txBody>
+          <a:bodyPr/>
+          <a:lstStyle/>
+          <a:p>
+            <a:r>
+              <a:rPr lang="en-GB" dirty="0" smtClean="0"/>
+              <a:t>Go to </a:t>
+            </a:r>
+            <a:r>
+              <a:rPr lang="en-GB" dirty="0" err="1" smtClean="0"/>
+              <a:t>config</a:t>
+            </a:r>
+            <a:r>
+              <a:rPr lang="en-GB" dirty="0" smtClean="0"/>
+              <a:t> and click build maven opts</a:t>
+            </a:r>
+            <a:endParaRPr lang="en-GB" dirty="0" smtClean="0"/>
+          </a:p>
+          <a:p>
+            <a:r>
+              <a:rPr lang="en-GB" dirty="0" smtClean="0"/>
+              <a:t>The </a:t>
+            </a:r>
+            <a:r>
+              <a:rPr lang="en-GB" dirty="0" smtClean="0"/>
+              <a:t>global options for Maven should be set to -</a:t>
+            </a:r>
+            <a:r>
+              <a:rPr lang="en-GB" dirty="0" err="1" smtClean="0"/>
+              <a:t>Dmaven.test.failure.ignore</a:t>
+            </a:r>
+            <a:r>
+              <a:rPr lang="en-GB" dirty="0" smtClean="0"/>
+              <a:t>=false</a:t>
+            </a:r>
+            <a:endParaRPr lang="en-GB" dirty="0"/>
+          </a:p>
+        </p:txBody>
+      </p:sp>
+      <p:sp>
+        <p:nvSpPr>
+          <p:cNvPr id="3" name="Title 2"/>
+          <p:cNvSpPr>
+            <a:spLocks noGrp="1"/>
+          </p:cNvSpPr>
+          <p:nvPr>
+            <p:ph type="ctrTitle"/>
+          </p:nvPr>
+        </p:nvSpPr>
+        <p:spPr/>
+        <p:txBody>
+          <a:bodyPr/>
+          <a:lstStyle/>
+          <a:p>
+            <a:r>
+              <a:rPr lang="en-GB" dirty="0" smtClean="0"/>
+              <a:t>How to set global options for maven in </a:t>
+            </a:r>
+            <a:r>
+              <a:rPr lang="en-GB" dirty="0" err="1" smtClean="0"/>
+              <a:t>jenkins</a:t>
+            </a:r>
+            <a:r>
+              <a:rPr lang="en-GB" dirty="0" smtClean="0"/>
+              <a:t> </a:t>
+            </a:r>
+            <a:endParaRPr lang="en-GB" dirty="0"/>
+          </a:p>
+        </p:txBody>
+      </p:sp>
+    </p:spTree>
+  </p:cSld>
+  <p:clrMapOvr>
+    <a:masterClrMapping/>
+  </p:clrMapOvr>
+</p:sld>
+</file>
+
 <file path=ppt/slides/slide5.xml><?xml version="1.0" encoding="utf-8"?>
 <p:sld xmlns:a="http://schemas.openxmlformats.org/drawingml/2006/main" xmlns:r="http://schemas.openxmlformats.org/officeDocument/2006/relationships" xmlns:p="http://schemas.openxmlformats.org/presentationml/2006/main">
   <p:cSld>
